--- a/Atelier-Neil_Mitra-October29th2024.pptx
+++ b/Atelier-Neil_Mitra-October29th2024.pptx
@@ -112,6 +112,11 @@
       </a:defRPr>
     </a:lvl9pPr>
   </p:defaultTextStyle>
+  <p:extLst>
+    <p:ext uri="{EFAFB233-063F-42B5-8137-9DF3F51BA10A}">
+      <p15:sldGuideLst xmlns:p15="http://schemas.microsoft.com/office/powerpoint/2012/main"/>
+    </p:ext>
+  </p:extLst>
 </p:presentation>
 </file>
 
@@ -3719,8 +3724,8 @@
           </a:fontRef>
         </p:style>
       </p:cxnSp>
-      <mc:AlternateContent xmlns:mc="http://schemas.openxmlformats.org/markup-compatibility/2006">
-        <mc:Choice xmlns:a14="http://schemas.microsoft.com/office/drawing/2010/main" Requires="a14">
+      <mc:AlternateContent xmlns:mc="http://schemas.openxmlformats.org/markup-compatibility/2006" xmlns:a14="http://schemas.microsoft.com/office/drawing/2010/main">
+        <mc:Choice Requires="a14">
           <p:sp>
             <p:nvSpPr>
               <p:cNvPr id="11" name="TextBox 10">
@@ -3895,7 +3900,7 @@
             </p:txBody>
           </p:sp>
         </mc:Choice>
-        <mc:Fallback>
+        <mc:Fallback xmlns="">
           <p:sp>
             <p:nvSpPr>
               <p:cNvPr id="11" name="TextBox 10">
@@ -3940,8 +3945,8 @@
           </p:sp>
         </mc:Fallback>
       </mc:AlternateContent>
-      <mc:AlternateContent xmlns:mc="http://schemas.openxmlformats.org/markup-compatibility/2006">
-        <mc:Choice xmlns:a14="http://schemas.microsoft.com/office/drawing/2010/main" Requires="a14">
+      <mc:AlternateContent xmlns:mc="http://schemas.openxmlformats.org/markup-compatibility/2006" xmlns:a14="http://schemas.microsoft.com/office/drawing/2010/main">
+        <mc:Choice Requires="a14">
           <p:sp>
             <p:nvSpPr>
               <p:cNvPr id="14" name="TextBox 13">
@@ -3992,7 +3997,7 @@
             </p:txBody>
           </p:sp>
         </mc:Choice>
-        <mc:Fallback>
+        <mc:Fallback xmlns="">
           <p:sp>
             <p:nvSpPr>
               <p:cNvPr id="14" name="TextBox 13">
@@ -4279,8 +4284,8 @@
           </a:fontRef>
         </p:style>
       </p:cxnSp>
-      <mc:AlternateContent xmlns:mc="http://schemas.openxmlformats.org/markup-compatibility/2006">
-        <mc:Choice xmlns:a14="http://schemas.microsoft.com/office/drawing/2010/main" Requires="a14">
+      <mc:AlternateContent xmlns:mc="http://schemas.openxmlformats.org/markup-compatibility/2006" xmlns:a14="http://schemas.microsoft.com/office/drawing/2010/main">
+        <mc:Choice Requires="a14">
           <p:sp>
             <p:nvSpPr>
               <p:cNvPr id="24" name="TextBox 23">
@@ -4469,7 +4474,7 @@
             </p:txBody>
           </p:sp>
         </mc:Choice>
-        <mc:Fallback>
+        <mc:Fallback xmlns="">
           <p:sp>
             <p:nvSpPr>
               <p:cNvPr id="24" name="TextBox 23">
@@ -4514,8 +4519,8 @@
           </p:sp>
         </mc:Fallback>
       </mc:AlternateContent>
-      <mc:AlternateContent xmlns:mc="http://schemas.openxmlformats.org/markup-compatibility/2006">
-        <mc:Choice xmlns:a14="http://schemas.microsoft.com/office/drawing/2010/main" Requires="a14">
+      <mc:AlternateContent xmlns:mc="http://schemas.openxmlformats.org/markup-compatibility/2006" xmlns:a14="http://schemas.microsoft.com/office/drawing/2010/main">
+        <mc:Choice Requires="a14">
           <p:sp>
             <p:nvSpPr>
               <p:cNvPr id="26" name="TextBox 25">
@@ -4569,7 +4574,7 @@
             </p:txBody>
           </p:sp>
         </mc:Choice>
-        <mc:Fallback>
+        <mc:Fallback xmlns="">
           <p:sp>
             <p:nvSpPr>
               <p:cNvPr id="26" name="TextBox 25">
@@ -4856,8 +4861,8 @@
           </a:fontRef>
         </p:style>
       </p:cxnSp>
-      <mc:AlternateContent xmlns:mc="http://schemas.openxmlformats.org/markup-compatibility/2006">
-        <mc:Choice xmlns:a14="http://schemas.microsoft.com/office/drawing/2010/main" Requires="a14">
+      <mc:AlternateContent xmlns:mc="http://schemas.openxmlformats.org/markup-compatibility/2006" xmlns:a14="http://schemas.microsoft.com/office/drawing/2010/main">
+        <mc:Choice Requires="a14">
           <p:sp>
             <p:nvSpPr>
               <p:cNvPr id="5" name="TextBox 4">
@@ -4911,7 +4916,7 @@
             </p:txBody>
           </p:sp>
         </mc:Choice>
-        <mc:Fallback>
+        <mc:Fallback xmlns="">
           <p:sp>
             <p:nvSpPr>
               <p:cNvPr id="5" name="TextBox 4">
@@ -4956,8 +4961,8 @@
           </p:sp>
         </mc:Fallback>
       </mc:AlternateContent>
-      <mc:AlternateContent xmlns:mc="http://schemas.openxmlformats.org/markup-compatibility/2006">
-        <mc:Choice xmlns:a14="http://schemas.microsoft.com/office/drawing/2010/main" Requires="a14">
+      <mc:AlternateContent xmlns:mc="http://schemas.openxmlformats.org/markup-compatibility/2006" xmlns:a14="http://schemas.microsoft.com/office/drawing/2010/main">
+        <mc:Choice Requires="a14">
           <p:sp>
             <p:nvSpPr>
               <p:cNvPr id="9" name="TextBox 8">
@@ -5213,7 +5218,7 @@
             </p:txBody>
           </p:sp>
         </mc:Choice>
-        <mc:Fallback>
+        <mc:Fallback xmlns="">
           <p:sp>
             <p:nvSpPr>
               <p:cNvPr id="9" name="TextBox 8">
@@ -5636,8 +5641,8 @@
           </a:fontRef>
         </p:style>
       </p:cxnSp>
-      <mc:AlternateContent xmlns:mc="http://schemas.openxmlformats.org/markup-compatibility/2006">
-        <mc:Choice xmlns:a14="http://schemas.microsoft.com/office/drawing/2010/main" Requires="a14">
+      <mc:AlternateContent xmlns:mc="http://schemas.openxmlformats.org/markup-compatibility/2006" xmlns:a14="http://schemas.microsoft.com/office/drawing/2010/main">
+        <mc:Choice Requires="a14">
           <p:sp>
             <p:nvSpPr>
               <p:cNvPr id="13" name="TextBox 12">
@@ -5791,7 +5796,7 @@
             </p:txBody>
           </p:sp>
         </mc:Choice>
-        <mc:Fallback>
+        <mc:Fallback xmlns="">
           <p:sp>
             <p:nvSpPr>
               <p:cNvPr id="13" name="TextBox 12">
@@ -5836,8 +5841,8 @@
           </p:sp>
         </mc:Fallback>
       </mc:AlternateContent>
-      <mc:AlternateContent xmlns:mc="http://schemas.openxmlformats.org/markup-compatibility/2006">
-        <mc:Choice xmlns:a14="http://schemas.microsoft.com/office/drawing/2010/main" Requires="a14">
+      <mc:AlternateContent xmlns:mc="http://schemas.openxmlformats.org/markup-compatibility/2006" xmlns:a14="http://schemas.microsoft.com/office/drawing/2010/main">
+        <mc:Choice Requires="a14">
           <p:sp>
             <p:nvSpPr>
               <p:cNvPr id="15" name="TextBox 14">
@@ -5888,7 +5893,7 @@
             </p:txBody>
           </p:sp>
         </mc:Choice>
-        <mc:Fallback>
+        <mc:Fallback xmlns="">
           <p:sp>
             <p:nvSpPr>
               <p:cNvPr id="15" name="TextBox 14">
@@ -5933,8 +5938,8 @@
           </p:sp>
         </mc:Fallback>
       </mc:AlternateContent>
-      <mc:AlternateContent xmlns:mc="http://schemas.openxmlformats.org/markup-compatibility/2006">
-        <mc:Choice xmlns:a14="http://schemas.microsoft.com/office/drawing/2010/main" Requires="a14">
+      <mc:AlternateContent xmlns:mc="http://schemas.openxmlformats.org/markup-compatibility/2006" xmlns:a14="http://schemas.microsoft.com/office/drawing/2010/main">
+        <mc:Choice Requires="a14">
           <p:sp>
             <p:nvSpPr>
               <p:cNvPr id="16" name="TextBox 15">
@@ -5985,7 +5990,7 @@
             </p:txBody>
           </p:sp>
         </mc:Choice>
-        <mc:Fallback>
+        <mc:Fallback xmlns="">
           <p:sp>
             <p:nvSpPr>
               <p:cNvPr id="16" name="TextBox 15">
@@ -6250,8 +6255,8 @@
           </a:fontRef>
         </p:style>
       </p:cxnSp>
-      <mc:AlternateContent xmlns:mc="http://schemas.openxmlformats.org/markup-compatibility/2006">
-        <mc:Choice xmlns:a14="http://schemas.microsoft.com/office/drawing/2010/main" Requires="a14">
+      <mc:AlternateContent xmlns:mc="http://schemas.openxmlformats.org/markup-compatibility/2006" xmlns:a14="http://schemas.microsoft.com/office/drawing/2010/main">
+        <mc:Choice Requires="a14">
           <p:sp>
             <p:nvSpPr>
               <p:cNvPr id="10" name="TextBox 9">
@@ -6302,7 +6307,7 @@
             </p:txBody>
           </p:sp>
         </mc:Choice>
-        <mc:Fallback>
+        <mc:Fallback xmlns="">
           <p:sp>
             <p:nvSpPr>
               <p:cNvPr id="10" name="TextBox 9">
@@ -6347,8 +6352,8 @@
           </p:sp>
         </mc:Fallback>
       </mc:AlternateContent>
-      <mc:AlternateContent xmlns:mc="http://schemas.openxmlformats.org/markup-compatibility/2006">
-        <mc:Choice xmlns:a14="http://schemas.microsoft.com/office/drawing/2010/main" Requires="a14">
+      <mc:AlternateContent xmlns:mc="http://schemas.openxmlformats.org/markup-compatibility/2006" xmlns:a14="http://schemas.microsoft.com/office/drawing/2010/main">
+        <mc:Choice Requires="a14">
           <p:sp>
             <p:nvSpPr>
               <p:cNvPr id="12" name="TextBox 11">
@@ -6584,7 +6589,7 @@
             </p:txBody>
           </p:sp>
         </mc:Choice>
-        <mc:Fallback>
+        <mc:Fallback xmlns="">
           <p:sp>
             <p:nvSpPr>
               <p:cNvPr id="12" name="TextBox 11">
@@ -6703,8 +6708,8 @@
           </a:p>
         </p:txBody>
       </p:sp>
-      <mc:AlternateContent xmlns:mc="http://schemas.openxmlformats.org/markup-compatibility/2006">
-        <mc:Choice xmlns:a14="http://schemas.microsoft.com/office/drawing/2010/main" Requires="a14">
+      <mc:AlternateContent xmlns:mc="http://schemas.openxmlformats.org/markup-compatibility/2006" xmlns:a14="http://schemas.microsoft.com/office/drawing/2010/main">
+        <mc:Choice Requires="a14">
           <p:sp>
             <p:nvSpPr>
               <p:cNvPr id="3" name="TextBox 2">
@@ -6733,6 +6738,7 @@
               </a:bodyPr>
               <a:lstStyle/>
               <a:p>
+                <a:pPr/>
                 <a14:m>
                   <m:oMathPara xmlns:m="http://schemas.openxmlformats.org/officeDocument/2006/math">
                     <m:oMathParaPr>
@@ -6892,6 +6898,7 @@
                 </a:endParaRPr>
               </a:p>
               <a:p>
+                <a:pPr/>
                 <a14:m>
                   <m:oMathPara xmlns:m="http://schemas.openxmlformats.org/officeDocument/2006/math">
                     <m:oMathParaPr>
@@ -7053,6 +7060,7 @@
                 </a:endParaRPr>
               </a:p>
               <a:p>
+                <a:pPr/>
                 <a14:m>
                   <m:oMathPara xmlns:m="http://schemas.openxmlformats.org/officeDocument/2006/math">
                     <m:oMathParaPr>
@@ -7283,6 +7291,7 @@
                 </a:endParaRPr>
               </a:p>
               <a:p>
+                <a:pPr/>
                 <a14:m>
                   <m:oMathPara xmlns:m="http://schemas.openxmlformats.org/officeDocument/2006/math">
                     <m:oMathParaPr>
@@ -7465,6 +7474,7 @@
                 </a:endParaRPr>
               </a:p>
               <a:p>
+                <a:pPr/>
                 <a14:m>
                   <m:oMathPara xmlns:m="http://schemas.openxmlformats.org/officeDocument/2006/math">
                     <m:oMathParaPr>
@@ -7734,7 +7744,7 @@
             </p:txBody>
           </p:sp>
         </mc:Choice>
-        <mc:Fallback>
+        <mc:Fallback xmlns="">
           <p:sp>
             <p:nvSpPr>
               <p:cNvPr id="3" name="TextBox 2">
@@ -7952,8 +7962,19 @@
                 <a:latin typeface="Helvetica" panose="020B0604020202020204" pitchFamily="34" charset="0"/>
                 <a:cs typeface="Helvetica" panose="020B0604020202020204" pitchFamily="34" charset="0"/>
               </a:rPr>
-              <a:t>Molecular Mechanics Force Field – Combined Electrostatics and Interaction Energy </a:t>
+              <a:t>Molecular Mechanics Force Field – Combined Electrostatics and Van der Waals Interaction </a:t>
             </a:r>
+            <a:r>
+              <a:rPr lang="en-CA" sz="2800">
+                <a:latin typeface="Helvetica" panose="020B0604020202020204" pitchFamily="34" charset="0"/>
+                <a:cs typeface="Helvetica" panose="020B0604020202020204" pitchFamily="34" charset="0"/>
+              </a:rPr>
+              <a:t>Energy Model</a:t>
+            </a:r>
+            <a:endParaRPr lang="en-CA" sz="2800" dirty="0">
+              <a:latin typeface="Helvetica" panose="020B0604020202020204" pitchFamily="34" charset="0"/>
+              <a:cs typeface="Helvetica" panose="020B0604020202020204" pitchFamily="34" charset="0"/>
+            </a:endParaRPr>
           </a:p>
         </p:txBody>
       </p:sp>
